--- a/difagram_fforms_flexdashboard.pptx
+++ b/difagram_fforms_flexdashboard.pptx
@@ -9757,17 +9757,7 @@
                   <a:schemeClr val="bg1"/>
                 </a:solidFill>
               </a:rPr>
-              <a:t>Best forecast model</a:t>
-            </a:r>
-          </a:p>
-          <a:p>
-            <a:r>
-              <a:rPr lang="en-US" sz="1200" b="1" dirty="0">
-                <a:solidFill>
-                  <a:schemeClr val="bg1"/>
-                </a:solidFill>
-              </a:rPr>
-              <a:t>predicted by  the model</a:t>
+              <a:t>Best forecast model predicted by the random forest</a:t>
             </a:r>
           </a:p>
         </p:txBody>
